--- a/1. Core Java 8/Day 6/Slides/2. Working with Collections/working-with-collections-slides.pptx
+++ b/1. Core Java 8/Day 6/Slides/2. Working with Collections/working-with-collections-slides.pptx
@@ -14089,7 +14089,7 @@
         </p:blipFill>
         <p:spPr>
           <a:xfrm>
-            <a:off x="-27940" y="-95250"/>
+            <a:off x="-1270" y="-79375"/>
             <a:ext cx="12193270" cy="7016750"/>
           </a:xfrm>
           <a:prstGeom prst="rect">
